--- a/docu/Presentacio.pptx
+++ b/docu/Presentacio.pptx
@@ -15,7 +15,6 @@
     <p:sldId id="263" r:id="rId9"/>
     <p:sldId id="264" r:id="rId10"/>
     <p:sldId id="265" r:id="rId11"/>
-    <p:sldId id="266" r:id="rId12"/>
   </p:sldIdLst>
   <p:sldSz cx="12192000" cy="6858000"/>
   <p:notesSz cx="6858000" cy="9144000"/>
@@ -114,6 +113,11 @@
       </a:defRPr>
     </a:lvl9pPr>
   </p:defaultTextStyle>
+  <p:extLst>
+    <p:ext uri="{EFAFB233-063F-42B5-8137-9DF3F51BA10A}">
+      <p15:sldGuideLst xmlns:p15="http://schemas.microsoft.com/office/powerpoint/2012/main"/>
+    </p:ext>
+  </p:extLst>
 </p:presentation>
 </file>
 
@@ -280,7 +284,7 @@
           <a:p>
             <a:fld id="{1160EA64-D806-43AC-9DF2-F8C432F32B4C}" type="datetimeFigureOut">
               <a:rPr lang="en-US" dirty="0"/>
-              <a:t>3/28/2023</a:t>
+              <a:t>3/30/2023</a:t>
             </a:fld>
             <a:endParaRPr lang="en-US" dirty="0"/>
           </a:p>
@@ -446,7 +450,7 @@
           <a:p>
             <a:fld id="{E9F9C37B-1D36-470B-8223-D6C91242EC14}" type="datetimeFigureOut">
               <a:rPr lang="en-US" dirty="0"/>
-              <a:t>3/28/2023</a:t>
+              <a:t>3/30/2023</a:t>
             </a:fld>
             <a:endParaRPr lang="en-US" dirty="0"/>
           </a:p>
@@ -621,7 +625,7 @@
           <a:p>
             <a:fld id="{67C6F52A-A82B-47A2-A83A-8C4C91F2D59F}" type="datetimeFigureOut">
               <a:rPr lang="en-US" dirty="0"/>
-              <a:t>3/28/2023</a:t>
+              <a:t>3/30/2023</a:t>
             </a:fld>
             <a:endParaRPr lang="en-US" dirty="0"/>
           </a:p>
@@ -786,7 +790,7 @@
           <a:p>
             <a:fld id="{F070A7B3-6521-4DCA-87E5-044747A908C1}" type="datetimeFigureOut">
               <a:rPr lang="en-US" dirty="0"/>
-              <a:t>3/28/2023</a:t>
+              <a:t>3/30/2023</a:t>
             </a:fld>
             <a:endParaRPr lang="en-US" dirty="0"/>
           </a:p>
@@ -1050,7 +1054,7 @@
           <a:p>
             <a:fld id="{1160EA64-D806-43AC-9DF2-F8C432F32B4C}" type="datetimeFigureOut">
               <a:rPr lang="en-US" dirty="0"/>
-              <a:t>3/28/2023</a:t>
+              <a:t>3/30/2023</a:t>
             </a:fld>
             <a:endParaRPr lang="en-US" dirty="0"/>
           </a:p>
@@ -1278,7 +1282,7 @@
           <a:p>
             <a:fld id="{AB134690-1557-4C89-A502-4959FE7FAD70}" type="datetimeFigureOut">
               <a:rPr lang="en-US" dirty="0"/>
-              <a:t>3/28/2023</a:t>
+              <a:t>3/30/2023</a:t>
             </a:fld>
             <a:endParaRPr lang="en-US" dirty="0"/>
           </a:p>
@@ -1632,7 +1636,7 @@
           <a:p>
             <a:fld id="{4F7D4976-E339-4826-83B7-FBD03F55ECF8}" type="datetimeFigureOut">
               <a:rPr lang="en-US" dirty="0"/>
-              <a:t>3/28/2023</a:t>
+              <a:t>3/30/2023</a:t>
             </a:fld>
             <a:endParaRPr lang="en-US" dirty="0"/>
           </a:p>
@@ -1768,7 +1772,7 @@
           <a:p>
             <a:fld id="{E1037C31-9E7A-4F99-8774-A0E530DE1A42}" type="datetimeFigureOut">
               <a:rPr lang="en-US" dirty="0"/>
-              <a:t>3/28/2023</a:t>
+              <a:t>3/30/2023</a:t>
             </a:fld>
             <a:endParaRPr lang="en-US" dirty="0"/>
           </a:p>
@@ -1858,7 +1862,7 @@
           <a:p>
             <a:fld id="{C278504F-A551-4DE0-9316-4DCD1D8CC752}" type="datetimeFigureOut">
               <a:rPr lang="en-US" dirty="0"/>
-              <a:t>3/28/2023</a:t>
+              <a:t>3/30/2023</a:t>
             </a:fld>
             <a:endParaRPr lang="en-US" dirty="0"/>
           </a:p>
@@ -2210,7 +2214,7 @@
           <a:p>
             <a:fld id="{D1BE4249-C0D0-4B06-8692-E8BB871AF643}" type="datetimeFigureOut">
               <a:rPr lang="en-US" dirty="0"/>
-              <a:t>3/28/2023</a:t>
+              <a:t>3/30/2023</a:t>
             </a:fld>
             <a:endParaRPr lang="en-US" dirty="0"/>
           </a:p>
@@ -2562,7 +2566,7 @@
           <a:p>
             <a:fld id="{042B0DB6-F5C7-45FB-8CF3-31B45F9C2DAC}" type="datetimeFigureOut">
               <a:rPr lang="en-US" dirty="0"/>
-              <a:t>3/28/2023</a:t>
+              <a:t>3/30/2023</a:t>
             </a:fld>
             <a:endParaRPr lang="en-US" dirty="0"/>
           </a:p>
@@ -2799,7 +2803,7 @@
           <a:p>
             <a:fld id="{1160EA64-D806-43AC-9DF2-F8C432F32B4C}" type="datetimeFigureOut">
               <a:rPr lang="en-US" dirty="0"/>
-              <a:t>3/28/2023</a:t>
+              <a:t>3/30/2023</a:t>
             </a:fld>
             <a:endParaRPr lang="en-US" dirty="0"/>
           </a:p>
@@ -3426,7 +3430,7 @@
           <a:p>
             <a:r>
               <a:rPr lang="es-ES" dirty="0"/>
-              <a:t>SELECCIÓ ÚNICA</a:t>
+              <a:t>Pantalla final</a:t>
             </a:r>
           </a:p>
         </p:txBody>
@@ -3458,190 +3462,38 @@
       </p:sp>
       <p:pic>
         <p:nvPicPr>
-          <p:cNvPr id="2050" name="Picture 2">
+          <p:cNvPr id="5" name="Imagen 4">
             <a:extLst>
               <a:ext uri="{FF2B5EF4-FFF2-40B4-BE49-F238E27FC236}">
-                <a16:creationId xmlns:a16="http://schemas.microsoft.com/office/drawing/2014/main" id="{734FA41E-6DC1-E95E-D694-375032CEC2B4}"/>
+                <a16:creationId xmlns:a16="http://schemas.microsoft.com/office/drawing/2014/main" id="{09705A98-DB81-C7AB-5D19-B39DAEBA5C23}"/>
               </a:ext>
             </a:extLst>
           </p:cNvPr>
           <p:cNvPicPr>
-            <a:picLocks noChangeAspect="1" noChangeArrowheads="1"/>
+            <a:picLocks noChangeAspect="1"/>
           </p:cNvPicPr>
           <p:nvPr/>
         </p:nvPicPr>
         <p:blipFill>
-          <a:blip r:embed="rId2">
-            <a:extLst>
-              <a:ext uri="{28A0092B-C50C-407E-A947-70E740481C1C}">
-                <a14:useLocalDpi xmlns:a14="http://schemas.microsoft.com/office/drawing/2010/main" val="0"/>
-              </a:ext>
-            </a:extLst>
-          </a:blip>
-          <a:srcRect/>
+          <a:blip r:embed="rId2"/>
           <a:stretch>
             <a:fillRect/>
           </a:stretch>
         </p:blipFill>
-        <p:spPr bwMode="auto">
+        <p:spPr>
           <a:xfrm>
-            <a:off x="7120942" y="128671"/>
-            <a:ext cx="4046115" cy="6600654"/>
+            <a:off x="7184239" y="271770"/>
+            <a:ext cx="3914395" cy="6314460"/>
           </a:xfrm>
           <a:prstGeom prst="rect">
             <a:avLst/>
           </a:prstGeom>
-          <a:noFill/>
-          <a:extLst>
-            <a:ext uri="{909E8E84-426E-40DD-AFC4-6F175D3DCCD1}">
-              <a14:hiddenFill xmlns:a14="http://schemas.microsoft.com/office/drawing/2010/main">
-                <a:solidFill>
-                  <a:srgbClr val="FFFFFF"/>
-                </a:solidFill>
-              </a14:hiddenFill>
-            </a:ext>
-          </a:extLst>
         </p:spPr>
       </p:pic>
     </p:spTree>
     <p:extLst>
       <p:ext uri="{BB962C8B-B14F-4D97-AF65-F5344CB8AC3E}">
-        <p14:creationId xmlns:p14="http://schemas.microsoft.com/office/powerpoint/2010/main" val="390276996"/>
-      </p:ext>
-    </p:extLst>
-  </p:cSld>
-  <p:clrMapOvr>
-    <a:masterClrMapping/>
-  </p:clrMapOvr>
-</p:sld>
-</file>
-
-<file path=ppt/slides/slide11.xml><?xml version="1.0" encoding="utf-8"?>
-<p:sld xmlns:a="http://schemas.openxmlformats.org/drawingml/2006/main" xmlns:r="http://schemas.openxmlformats.org/officeDocument/2006/relationships" xmlns:p="http://schemas.openxmlformats.org/presentationml/2006/main">
-  <p:cSld>
-    <p:spTree>
-      <p:nvGrpSpPr>
-        <p:cNvPr id="1" name=""/>
-        <p:cNvGrpSpPr/>
-        <p:nvPr/>
-      </p:nvGrpSpPr>
-      <p:grpSpPr>
-        <a:xfrm>
-          <a:off x="0" y="0"/>
-          <a:ext cx="0" cy="0"/>
-          <a:chOff x="0" y="0"/>
-          <a:chExt cx="0" cy="0"/>
-        </a:xfrm>
-      </p:grpSpPr>
-      <p:sp>
-        <p:nvSpPr>
-          <p:cNvPr id="2" name="Título 1">
-            <a:extLst>
-              <a:ext uri="{FF2B5EF4-FFF2-40B4-BE49-F238E27FC236}">
-                <a16:creationId xmlns:a16="http://schemas.microsoft.com/office/drawing/2014/main" id="{1B56B761-3F03-E9B3-DCF2-FC2C6A64DFF4}"/>
-              </a:ext>
-            </a:extLst>
-          </p:cNvPr>
-          <p:cNvSpPr>
-            <a:spLocks noGrp="1"/>
-          </p:cNvSpPr>
-          <p:nvPr>
-            <p:ph type="title"/>
-          </p:nvPr>
-        </p:nvSpPr>
-        <p:spPr>
-          <a:xfrm>
-            <a:off x="804672" y="2858250"/>
-            <a:ext cx="4486656" cy="1141497"/>
-          </a:xfrm>
-        </p:spPr>
-        <p:txBody>
-          <a:bodyPr/>
-          <a:lstStyle/>
-          <a:p>
-            <a:r>
-              <a:rPr lang="es-ES" dirty="0"/>
-              <a:t>SELECCIÓ ÚNICA</a:t>
-            </a:r>
-          </a:p>
-        </p:txBody>
-      </p:sp>
-      <p:sp>
-        <p:nvSpPr>
-          <p:cNvPr id="4" name="Marcador de contenido 3">
-            <a:extLst>
-              <a:ext uri="{FF2B5EF4-FFF2-40B4-BE49-F238E27FC236}">
-                <a16:creationId xmlns:a16="http://schemas.microsoft.com/office/drawing/2014/main" id="{1B81B4F4-35FE-5DF6-345A-57535502CCFF}"/>
-              </a:ext>
-            </a:extLst>
-          </p:cNvPr>
-          <p:cNvSpPr>
-            <a:spLocks noGrp="1"/>
-          </p:cNvSpPr>
-          <p:nvPr>
-            <p:ph idx="1"/>
-          </p:nvPr>
-        </p:nvSpPr>
-        <p:spPr/>
-        <p:txBody>
-          <a:bodyPr/>
-          <a:lstStyle/>
-          <a:p>
-            <a:endParaRPr lang="es-ES"/>
-          </a:p>
-        </p:txBody>
-      </p:sp>
-      <p:pic>
-        <p:nvPicPr>
-          <p:cNvPr id="2050" name="Picture 2">
-            <a:extLst>
-              <a:ext uri="{FF2B5EF4-FFF2-40B4-BE49-F238E27FC236}">
-                <a16:creationId xmlns:a16="http://schemas.microsoft.com/office/drawing/2014/main" id="{734FA41E-6DC1-E95E-D694-375032CEC2B4}"/>
-              </a:ext>
-            </a:extLst>
-          </p:cNvPr>
-          <p:cNvPicPr>
-            <a:picLocks noChangeAspect="1" noChangeArrowheads="1"/>
-          </p:cNvPicPr>
-          <p:nvPr/>
-        </p:nvPicPr>
-        <p:blipFill>
-          <a:blip r:embed="rId2">
-            <a:extLst>
-              <a:ext uri="{28A0092B-C50C-407E-A947-70E740481C1C}">
-                <a14:useLocalDpi xmlns:a14="http://schemas.microsoft.com/office/drawing/2010/main" val="0"/>
-              </a:ext>
-            </a:extLst>
-          </a:blip>
-          <a:srcRect/>
-          <a:stretch>
-            <a:fillRect/>
-          </a:stretch>
-        </p:blipFill>
-        <p:spPr bwMode="auto">
-          <a:xfrm>
-            <a:off x="7120942" y="128671"/>
-            <a:ext cx="4046115" cy="6600654"/>
-          </a:xfrm>
-          <a:prstGeom prst="rect">
-            <a:avLst/>
-          </a:prstGeom>
-          <a:noFill/>
-          <a:extLst>
-            <a:ext uri="{909E8E84-426E-40DD-AFC4-6F175D3DCCD1}">
-              <a14:hiddenFill xmlns:a14="http://schemas.microsoft.com/office/drawing/2010/main">
-                <a:solidFill>
-                  <a:srgbClr val="FFFFFF"/>
-                </a:solidFill>
-              </a14:hiddenFill>
-            </a:ext>
-          </a:extLst>
-        </p:spPr>
-      </p:pic>
-    </p:spTree>
-    <p:extLst>
-      <p:ext uri="{BB962C8B-B14F-4D97-AF65-F5344CB8AC3E}">
-        <p14:creationId xmlns:p14="http://schemas.microsoft.com/office/powerpoint/2010/main" val="295291100"/>
+        <p14:creationId xmlns:p14="http://schemas.microsoft.com/office/powerpoint/2010/main" val="306346312"/>
       </p:ext>
     </p:extLst>
   </p:cSld>
@@ -3896,7 +3748,7 @@
           <a:bodyPr/>
           <a:lstStyle/>
           <a:p>
-            <a:endParaRPr lang="es-ES"/>
+            <a:endParaRPr lang="es-ES" dirty="0"/>
           </a:p>
         </p:txBody>
       </p:sp>
@@ -3947,6 +3799,48 @@
           </a:extLst>
         </p:spPr>
       </p:pic>
+      <p:sp>
+        <p:nvSpPr>
+          <p:cNvPr id="3" name="CuadroTexto 2">
+            <a:extLst>
+              <a:ext uri="{FF2B5EF4-FFF2-40B4-BE49-F238E27FC236}">
+                <a16:creationId xmlns:a16="http://schemas.microsoft.com/office/drawing/2014/main" id="{00DB6E8B-4666-BDB4-5CC9-B1CDF5311263}"/>
+              </a:ext>
+            </a:extLst>
+          </p:cNvPr>
+          <p:cNvSpPr txBox="1"/>
+          <p:nvPr/>
+        </p:nvSpPr>
+        <p:spPr>
+          <a:xfrm>
+            <a:off x="804672" y="4148274"/>
+            <a:ext cx="4486656" cy="276999"/>
+          </a:xfrm>
+          <a:prstGeom prst="rect">
+            <a:avLst/>
+          </a:prstGeom>
+          <a:noFill/>
+        </p:spPr>
+        <p:txBody>
+          <a:bodyPr wrap="square" rtlCol="0">
+            <a:spAutoFit/>
+          </a:bodyPr>
+          <a:lstStyle/>
+          <a:p>
+            <a:pPr algn="ctr"/>
+            <a:r>
+              <a:rPr lang="ca-ES" sz="1200" dirty="0">
+                <a:solidFill>
+                  <a:schemeClr val="accent6">
+                    <a:lumMod val="75000"/>
+                  </a:schemeClr>
+                </a:solidFill>
+              </a:rPr>
+              <a:t>Els noms de les cançons són temporals</a:t>
+            </a:r>
+          </a:p>
+        </p:txBody>
+      </p:sp>
     </p:spTree>
     <p:extLst>
       <p:ext uri="{BB962C8B-B14F-4D97-AF65-F5344CB8AC3E}">
